--- a/docs/images/apache-superset-architecture-diagram.pptx
+++ b/docs/images/apache-superset-architecture-diagram.pptx
@@ -154,7 +154,7 @@
           </a:lstStyle>
           <a:p>
             <a:r>
-              <a:rPr lang="en-US"/>
+              <a:rPr lang="en-US" smtClean="0"/>
               <a:t>Click to edit Master title style</a:t>
             </a:r>
             <a:endParaRPr lang="en-US" dirty="0"/>
@@ -219,7 +219,7 @@
           </a:lstStyle>
           <a:p>
             <a:r>
-              <a:rPr lang="en-US"/>
+              <a:rPr lang="en-US" smtClean="0"/>
               <a:t>Click to edit Master subtitle style</a:t>
             </a:r>
             <a:endParaRPr lang="en-US" dirty="0"/>
@@ -243,7 +243,7 @@
           <a:p>
             <a:fld id="{C1413EED-5722-7C4B-AAEA-A5EA7F954977}" type="datetimeFigureOut">
               <a:rPr lang="en-US" smtClean="0"/>
-              <a:t>8/10/21</a:t>
+              <a:t>8/10/2021</a:t>
             </a:fld>
             <a:endParaRPr lang="en-US"/>
           </a:p>
@@ -337,7 +337,7 @@
           <a:lstStyle/>
           <a:p>
             <a:r>
-              <a:rPr lang="en-US"/>
+              <a:rPr lang="en-US" smtClean="0"/>
               <a:t>Click to edit Master title style</a:t>
             </a:r>
             <a:endParaRPr lang="en-US" dirty="0"/>
@@ -361,35 +361,35 @@
           <a:p>
             <a:pPr lvl="0"/>
             <a:r>
-              <a:rPr lang="en-US"/>
+              <a:rPr lang="en-US" smtClean="0"/>
               <a:t>Edit Master text styles</a:t>
             </a:r>
           </a:p>
           <a:p>
             <a:pPr lvl="1"/>
             <a:r>
-              <a:rPr lang="en-US"/>
+              <a:rPr lang="en-US" smtClean="0"/>
               <a:t>Second level</a:t>
             </a:r>
           </a:p>
           <a:p>
             <a:pPr lvl="2"/>
             <a:r>
-              <a:rPr lang="en-US"/>
+              <a:rPr lang="en-US" smtClean="0"/>
               <a:t>Third level</a:t>
             </a:r>
           </a:p>
           <a:p>
             <a:pPr lvl="3"/>
             <a:r>
-              <a:rPr lang="en-US"/>
+              <a:rPr lang="en-US" smtClean="0"/>
               <a:t>Fourth level</a:t>
             </a:r>
           </a:p>
           <a:p>
             <a:pPr lvl="4"/>
             <a:r>
-              <a:rPr lang="en-US"/>
+              <a:rPr lang="en-US" smtClean="0"/>
               <a:t>Fifth level</a:t>
             </a:r>
             <a:endParaRPr lang="en-US" dirty="0"/>
@@ -413,7 +413,7 @@
           <a:p>
             <a:fld id="{C1413EED-5722-7C4B-AAEA-A5EA7F954977}" type="datetimeFigureOut">
               <a:rPr lang="en-US" smtClean="0"/>
-              <a:t>8/10/21</a:t>
+              <a:t>8/10/2021</a:t>
             </a:fld>
             <a:endParaRPr lang="en-US"/>
           </a:p>
@@ -512,7 +512,7 @@
           <a:lstStyle/>
           <a:p>
             <a:r>
-              <a:rPr lang="en-US"/>
+              <a:rPr lang="en-US" smtClean="0"/>
               <a:t>Click to edit Master title style</a:t>
             </a:r>
             <a:endParaRPr lang="en-US" dirty="0"/>
@@ -541,35 +541,35 @@
           <a:p>
             <a:pPr lvl="0"/>
             <a:r>
-              <a:rPr lang="en-US"/>
+              <a:rPr lang="en-US" smtClean="0"/>
               <a:t>Edit Master text styles</a:t>
             </a:r>
           </a:p>
           <a:p>
             <a:pPr lvl="1"/>
             <a:r>
-              <a:rPr lang="en-US"/>
+              <a:rPr lang="en-US" smtClean="0"/>
               <a:t>Second level</a:t>
             </a:r>
           </a:p>
           <a:p>
             <a:pPr lvl="2"/>
             <a:r>
-              <a:rPr lang="en-US"/>
+              <a:rPr lang="en-US" smtClean="0"/>
               <a:t>Third level</a:t>
             </a:r>
           </a:p>
           <a:p>
             <a:pPr lvl="3"/>
             <a:r>
-              <a:rPr lang="en-US"/>
+              <a:rPr lang="en-US" smtClean="0"/>
               <a:t>Fourth level</a:t>
             </a:r>
           </a:p>
           <a:p>
             <a:pPr lvl="4"/>
             <a:r>
-              <a:rPr lang="en-US"/>
+              <a:rPr lang="en-US" smtClean="0"/>
               <a:t>Fifth level</a:t>
             </a:r>
             <a:endParaRPr lang="en-US" dirty="0"/>
@@ -593,7 +593,7 @@
           <a:p>
             <a:fld id="{C1413EED-5722-7C4B-AAEA-A5EA7F954977}" type="datetimeFigureOut">
               <a:rPr lang="en-US" smtClean="0"/>
-              <a:t>8/10/21</a:t>
+              <a:t>8/10/2021</a:t>
             </a:fld>
             <a:endParaRPr lang="en-US"/>
           </a:p>
@@ -687,7 +687,7 @@
           <a:lstStyle/>
           <a:p>
             <a:r>
-              <a:rPr lang="en-US"/>
+              <a:rPr lang="en-US" smtClean="0"/>
               <a:t>Click to edit Master title style</a:t>
             </a:r>
             <a:endParaRPr lang="en-US" dirty="0"/>
@@ -711,35 +711,35 @@
           <a:p>
             <a:pPr lvl="0"/>
             <a:r>
-              <a:rPr lang="en-US"/>
+              <a:rPr lang="en-US" smtClean="0"/>
               <a:t>Edit Master text styles</a:t>
             </a:r>
           </a:p>
           <a:p>
             <a:pPr lvl="1"/>
             <a:r>
-              <a:rPr lang="en-US"/>
+              <a:rPr lang="en-US" smtClean="0"/>
               <a:t>Second level</a:t>
             </a:r>
           </a:p>
           <a:p>
             <a:pPr lvl="2"/>
             <a:r>
-              <a:rPr lang="en-US"/>
+              <a:rPr lang="en-US" smtClean="0"/>
               <a:t>Third level</a:t>
             </a:r>
           </a:p>
           <a:p>
             <a:pPr lvl="3"/>
             <a:r>
-              <a:rPr lang="en-US"/>
+              <a:rPr lang="en-US" smtClean="0"/>
               <a:t>Fourth level</a:t>
             </a:r>
           </a:p>
           <a:p>
             <a:pPr lvl="4"/>
             <a:r>
-              <a:rPr lang="en-US"/>
+              <a:rPr lang="en-US" smtClean="0"/>
               <a:t>Fifth level</a:t>
             </a:r>
             <a:endParaRPr lang="en-US" dirty="0"/>
@@ -763,7 +763,7 @@
           <a:p>
             <a:fld id="{C1413EED-5722-7C4B-AAEA-A5EA7F954977}" type="datetimeFigureOut">
               <a:rPr lang="en-US" smtClean="0"/>
-              <a:t>8/10/21</a:t>
+              <a:t>8/10/2021</a:t>
             </a:fld>
             <a:endParaRPr lang="en-US"/>
           </a:p>
@@ -866,7 +866,7 @@
           </a:lstStyle>
           <a:p>
             <a:r>
-              <a:rPr lang="en-US"/>
+              <a:rPr lang="en-US" smtClean="0"/>
               <a:t>Click to edit Master title style</a:t>
             </a:r>
             <a:endParaRPr lang="en-US" dirty="0"/>
@@ -984,7 +984,7 @@
           <a:p>
             <a:pPr lvl="0"/>
             <a:r>
-              <a:rPr lang="en-US"/>
+              <a:rPr lang="en-US" smtClean="0"/>
               <a:t>Edit Master text styles</a:t>
             </a:r>
           </a:p>
@@ -1007,7 +1007,7 @@
           <a:p>
             <a:fld id="{C1413EED-5722-7C4B-AAEA-A5EA7F954977}" type="datetimeFigureOut">
               <a:rPr lang="en-US" smtClean="0"/>
-              <a:t>8/10/21</a:t>
+              <a:t>8/10/2021</a:t>
             </a:fld>
             <a:endParaRPr lang="en-US"/>
           </a:p>
@@ -1101,7 +1101,7 @@
           <a:lstStyle/>
           <a:p>
             <a:r>
-              <a:rPr lang="en-US"/>
+              <a:rPr lang="en-US" smtClean="0"/>
               <a:t>Click to edit Master title style</a:t>
             </a:r>
             <a:endParaRPr lang="en-US" dirty="0"/>
@@ -1130,35 +1130,35 @@
           <a:p>
             <a:pPr lvl="0"/>
             <a:r>
-              <a:rPr lang="en-US"/>
+              <a:rPr lang="en-US" smtClean="0"/>
               <a:t>Edit Master text styles</a:t>
             </a:r>
           </a:p>
           <a:p>
             <a:pPr lvl="1"/>
             <a:r>
-              <a:rPr lang="en-US"/>
+              <a:rPr lang="en-US" smtClean="0"/>
               <a:t>Second level</a:t>
             </a:r>
           </a:p>
           <a:p>
             <a:pPr lvl="2"/>
             <a:r>
-              <a:rPr lang="en-US"/>
+              <a:rPr lang="en-US" smtClean="0"/>
               <a:t>Third level</a:t>
             </a:r>
           </a:p>
           <a:p>
             <a:pPr lvl="3"/>
             <a:r>
-              <a:rPr lang="en-US"/>
+              <a:rPr lang="en-US" smtClean="0"/>
               <a:t>Fourth level</a:t>
             </a:r>
           </a:p>
           <a:p>
             <a:pPr lvl="4"/>
             <a:r>
-              <a:rPr lang="en-US"/>
+              <a:rPr lang="en-US" smtClean="0"/>
               <a:t>Fifth level</a:t>
             </a:r>
             <a:endParaRPr lang="en-US" dirty="0"/>
@@ -1187,35 +1187,35 @@
           <a:p>
             <a:pPr lvl="0"/>
             <a:r>
-              <a:rPr lang="en-US"/>
+              <a:rPr lang="en-US" smtClean="0"/>
               <a:t>Edit Master text styles</a:t>
             </a:r>
           </a:p>
           <a:p>
             <a:pPr lvl="1"/>
             <a:r>
-              <a:rPr lang="en-US"/>
+              <a:rPr lang="en-US" smtClean="0"/>
               <a:t>Second level</a:t>
             </a:r>
           </a:p>
           <a:p>
             <a:pPr lvl="2"/>
             <a:r>
-              <a:rPr lang="en-US"/>
+              <a:rPr lang="en-US" smtClean="0"/>
               <a:t>Third level</a:t>
             </a:r>
           </a:p>
           <a:p>
             <a:pPr lvl="3"/>
             <a:r>
-              <a:rPr lang="en-US"/>
+              <a:rPr lang="en-US" smtClean="0"/>
               <a:t>Fourth level</a:t>
             </a:r>
           </a:p>
           <a:p>
             <a:pPr lvl="4"/>
             <a:r>
-              <a:rPr lang="en-US"/>
+              <a:rPr lang="en-US" smtClean="0"/>
               <a:t>Fifth level</a:t>
             </a:r>
             <a:endParaRPr lang="en-US" dirty="0"/>
@@ -1239,7 +1239,7 @@
           <a:p>
             <a:fld id="{C1413EED-5722-7C4B-AAEA-A5EA7F954977}" type="datetimeFigureOut">
               <a:rPr lang="en-US" smtClean="0"/>
-              <a:t>8/10/21</a:t>
+              <a:t>8/10/2021</a:t>
             </a:fld>
             <a:endParaRPr lang="en-US"/>
           </a:p>
@@ -1338,7 +1338,7 @@
           <a:lstStyle/>
           <a:p>
             <a:r>
-              <a:rPr lang="en-US"/>
+              <a:rPr lang="en-US" smtClean="0"/>
               <a:t>Click to edit Master title style</a:t>
             </a:r>
             <a:endParaRPr lang="en-US" dirty="0"/>
@@ -1404,7 +1404,7 @@
           <a:p>
             <a:pPr lvl="0"/>
             <a:r>
-              <a:rPr lang="en-US"/>
+              <a:rPr lang="en-US" smtClean="0"/>
               <a:t>Edit Master text styles</a:t>
             </a:r>
           </a:p>
@@ -1432,35 +1432,35 @@
           <a:p>
             <a:pPr lvl="0"/>
             <a:r>
-              <a:rPr lang="en-US"/>
+              <a:rPr lang="en-US" smtClean="0"/>
               <a:t>Edit Master text styles</a:t>
             </a:r>
           </a:p>
           <a:p>
             <a:pPr lvl="1"/>
             <a:r>
-              <a:rPr lang="en-US"/>
+              <a:rPr lang="en-US" smtClean="0"/>
               <a:t>Second level</a:t>
             </a:r>
           </a:p>
           <a:p>
             <a:pPr lvl="2"/>
             <a:r>
-              <a:rPr lang="en-US"/>
+              <a:rPr lang="en-US" smtClean="0"/>
               <a:t>Third level</a:t>
             </a:r>
           </a:p>
           <a:p>
             <a:pPr lvl="3"/>
             <a:r>
-              <a:rPr lang="en-US"/>
+              <a:rPr lang="en-US" smtClean="0"/>
               <a:t>Fourth level</a:t>
             </a:r>
           </a:p>
           <a:p>
             <a:pPr lvl="4"/>
             <a:r>
-              <a:rPr lang="en-US"/>
+              <a:rPr lang="en-US" smtClean="0"/>
               <a:t>Fifth level</a:t>
             </a:r>
             <a:endParaRPr lang="en-US" dirty="0"/>
@@ -1526,7 +1526,7 @@
           <a:p>
             <a:pPr lvl="0"/>
             <a:r>
-              <a:rPr lang="en-US"/>
+              <a:rPr lang="en-US" smtClean="0"/>
               <a:t>Edit Master text styles</a:t>
             </a:r>
           </a:p>
@@ -1554,35 +1554,35 @@
           <a:p>
             <a:pPr lvl="0"/>
             <a:r>
-              <a:rPr lang="en-US"/>
+              <a:rPr lang="en-US" smtClean="0"/>
               <a:t>Edit Master text styles</a:t>
             </a:r>
           </a:p>
           <a:p>
             <a:pPr lvl="1"/>
             <a:r>
-              <a:rPr lang="en-US"/>
+              <a:rPr lang="en-US" smtClean="0"/>
               <a:t>Second level</a:t>
             </a:r>
           </a:p>
           <a:p>
             <a:pPr lvl="2"/>
             <a:r>
-              <a:rPr lang="en-US"/>
+              <a:rPr lang="en-US" smtClean="0"/>
               <a:t>Third level</a:t>
             </a:r>
           </a:p>
           <a:p>
             <a:pPr lvl="3"/>
             <a:r>
-              <a:rPr lang="en-US"/>
+              <a:rPr lang="en-US" smtClean="0"/>
               <a:t>Fourth level</a:t>
             </a:r>
           </a:p>
           <a:p>
             <a:pPr lvl="4"/>
             <a:r>
-              <a:rPr lang="en-US"/>
+              <a:rPr lang="en-US" smtClean="0"/>
               <a:t>Fifth level</a:t>
             </a:r>
             <a:endParaRPr lang="en-US" dirty="0"/>
@@ -1606,7 +1606,7 @@
           <a:p>
             <a:fld id="{C1413EED-5722-7C4B-AAEA-A5EA7F954977}" type="datetimeFigureOut">
               <a:rPr lang="en-US" smtClean="0"/>
-              <a:t>8/10/21</a:t>
+              <a:t>8/10/2021</a:t>
             </a:fld>
             <a:endParaRPr lang="en-US"/>
           </a:p>
@@ -1700,7 +1700,7 @@
           <a:lstStyle/>
           <a:p>
             <a:r>
-              <a:rPr lang="en-US"/>
+              <a:rPr lang="en-US" smtClean="0"/>
               <a:t>Click to edit Master title style</a:t>
             </a:r>
             <a:endParaRPr lang="en-US" dirty="0"/>
@@ -1724,7 +1724,7 @@
           <a:p>
             <a:fld id="{C1413EED-5722-7C4B-AAEA-A5EA7F954977}" type="datetimeFigureOut">
               <a:rPr lang="en-US" smtClean="0"/>
-              <a:t>8/10/21</a:t>
+              <a:t>8/10/2021</a:t>
             </a:fld>
             <a:endParaRPr lang="en-US"/>
           </a:p>
@@ -1819,7 +1819,7 @@
           <a:p>
             <a:fld id="{C1413EED-5722-7C4B-AAEA-A5EA7F954977}" type="datetimeFigureOut">
               <a:rPr lang="en-US" smtClean="0"/>
-              <a:t>8/10/21</a:t>
+              <a:t>8/10/2021</a:t>
             </a:fld>
             <a:endParaRPr lang="en-US"/>
           </a:p>
@@ -1922,7 +1922,7 @@
           </a:lstStyle>
           <a:p>
             <a:r>
-              <a:rPr lang="en-US"/>
+              <a:rPr lang="en-US" smtClean="0"/>
               <a:t>Click to edit Master title style</a:t>
             </a:r>
             <a:endParaRPr lang="en-US" dirty="0"/>
@@ -1979,35 +1979,35 @@
           <a:p>
             <a:pPr lvl="0"/>
             <a:r>
-              <a:rPr lang="en-US"/>
+              <a:rPr lang="en-US" smtClean="0"/>
               <a:t>Edit Master text styles</a:t>
             </a:r>
           </a:p>
           <a:p>
             <a:pPr lvl="1"/>
             <a:r>
-              <a:rPr lang="en-US"/>
+              <a:rPr lang="en-US" smtClean="0"/>
               <a:t>Second level</a:t>
             </a:r>
           </a:p>
           <a:p>
             <a:pPr lvl="2"/>
             <a:r>
-              <a:rPr lang="en-US"/>
+              <a:rPr lang="en-US" smtClean="0"/>
               <a:t>Third level</a:t>
             </a:r>
           </a:p>
           <a:p>
             <a:pPr lvl="3"/>
             <a:r>
-              <a:rPr lang="en-US"/>
+              <a:rPr lang="en-US" smtClean="0"/>
               <a:t>Fourth level</a:t>
             </a:r>
           </a:p>
           <a:p>
             <a:pPr lvl="4"/>
             <a:r>
-              <a:rPr lang="en-US"/>
+              <a:rPr lang="en-US" smtClean="0"/>
               <a:t>Fifth level</a:t>
             </a:r>
             <a:endParaRPr lang="en-US" dirty="0"/>
@@ -2073,7 +2073,7 @@
           <a:p>
             <a:pPr lvl="0"/>
             <a:r>
-              <a:rPr lang="en-US"/>
+              <a:rPr lang="en-US" smtClean="0"/>
               <a:t>Edit Master text styles</a:t>
             </a:r>
           </a:p>
@@ -2096,7 +2096,7 @@
           <a:p>
             <a:fld id="{C1413EED-5722-7C4B-AAEA-A5EA7F954977}" type="datetimeFigureOut">
               <a:rPr lang="en-US" smtClean="0"/>
-              <a:t>8/10/21</a:t>
+              <a:t>8/10/2021</a:t>
             </a:fld>
             <a:endParaRPr lang="en-US"/>
           </a:p>
@@ -2199,7 +2199,7 @@
           </a:lstStyle>
           <a:p>
             <a:r>
-              <a:rPr lang="en-US"/>
+              <a:rPr lang="en-US" smtClean="0"/>
               <a:t>Click to edit Master title style</a:t>
             </a:r>
             <a:endParaRPr lang="en-US" dirty="0"/>
@@ -2264,7 +2264,7 @@
           </a:lstStyle>
           <a:p>
             <a:r>
-              <a:rPr lang="en-US"/>
+              <a:rPr lang="en-US" smtClean="0"/>
               <a:t>Click icon to add picture</a:t>
             </a:r>
             <a:endParaRPr lang="en-US" dirty="0"/>
@@ -2330,7 +2330,7 @@
           <a:p>
             <a:pPr lvl="0"/>
             <a:r>
-              <a:rPr lang="en-US"/>
+              <a:rPr lang="en-US" smtClean="0"/>
               <a:t>Edit Master text styles</a:t>
             </a:r>
           </a:p>
@@ -2353,7 +2353,7 @@
           <a:p>
             <a:fld id="{C1413EED-5722-7C4B-AAEA-A5EA7F954977}" type="datetimeFigureOut">
               <a:rPr lang="en-US" smtClean="0"/>
-              <a:t>8/10/21</a:t>
+              <a:t>8/10/2021</a:t>
             </a:fld>
             <a:endParaRPr lang="en-US"/>
           </a:p>
@@ -2462,7 +2462,7 @@
           <a:lstStyle/>
           <a:p>
             <a:r>
-              <a:rPr lang="en-US"/>
+              <a:rPr lang="en-US" smtClean="0"/>
               <a:t>Click to edit Master title style</a:t>
             </a:r>
             <a:endParaRPr lang="en-US" dirty="0"/>
@@ -2496,35 +2496,35 @@
           <a:p>
             <a:pPr lvl="0"/>
             <a:r>
-              <a:rPr lang="en-US"/>
+              <a:rPr lang="en-US" smtClean="0"/>
               <a:t>Edit Master text styles</a:t>
             </a:r>
           </a:p>
           <a:p>
             <a:pPr lvl="1"/>
             <a:r>
-              <a:rPr lang="en-US"/>
+              <a:rPr lang="en-US" smtClean="0"/>
               <a:t>Second level</a:t>
             </a:r>
           </a:p>
           <a:p>
             <a:pPr lvl="2"/>
             <a:r>
-              <a:rPr lang="en-US"/>
+              <a:rPr lang="en-US" smtClean="0"/>
               <a:t>Third level</a:t>
             </a:r>
           </a:p>
           <a:p>
             <a:pPr lvl="3"/>
             <a:r>
-              <a:rPr lang="en-US"/>
+              <a:rPr lang="en-US" smtClean="0"/>
               <a:t>Fourth level</a:t>
             </a:r>
           </a:p>
           <a:p>
             <a:pPr lvl="4"/>
             <a:r>
-              <a:rPr lang="en-US"/>
+              <a:rPr lang="en-US" smtClean="0"/>
               <a:t>Fifth level</a:t>
             </a:r>
             <a:endParaRPr lang="en-US" dirty="0"/>
@@ -2566,7 +2566,7 @@
           <a:p>
             <a:fld id="{C1413EED-5722-7C4B-AAEA-A5EA7F954977}" type="datetimeFigureOut">
               <a:rPr lang="en-US" smtClean="0"/>
-              <a:t>8/10/21</a:t>
+              <a:t>8/10/2021</a:t>
             </a:fld>
             <a:endParaRPr lang="en-US"/>
           </a:p>
@@ -3343,7 +3343,17 @@
                 <a:latin typeface="Arial" panose="020B0604020202020204" pitchFamily="34" charset="0"/>
                 <a:cs typeface="Arial" panose="020B0604020202020204" pitchFamily="34" charset="0"/>
               </a:rPr>
-              <a:t>Availability Zone 1</a:t>
+              <a:t>Availability </a:t>
+            </a:r>
+            <a:r>
+              <a:rPr lang="en-US" sz="1200" smtClean="0">
+                <a:solidFill>
+                  <a:srgbClr val="5B9CD5"/>
+                </a:solidFill>
+                <a:latin typeface="Arial" panose="020B0604020202020204" pitchFamily="34" charset="0"/>
+                <a:cs typeface="Arial" panose="020B0604020202020204" pitchFamily="34" charset="0"/>
+              </a:rPr>
+              <a:t>Zone 1</a:t>
             </a:r>
             <a:endParaRPr lang="en-US" sz="1200" dirty="0">
               <a:solidFill>
@@ -4288,10 +4298,20 @@
                 <a:latin typeface="Arial" panose="020B0604020202020204" pitchFamily="34" charset="0"/>
                 <a:cs typeface="Arial" panose="020B0604020202020204" pitchFamily="34" charset="0"/>
               </a:rPr>
-              <a:t> for</a:t>
+              <a:t> </a:t>
+            </a:r>
+            <a:r>
+              <a:rPr lang="en-US" sz="1200" smtClean="0">
+                <a:solidFill>
+                  <a:srgbClr val="5A6B86"/>
+                </a:solidFill>
+                <a:latin typeface="Arial" panose="020B0604020202020204" pitchFamily="34" charset="0"/>
+                <a:cs typeface="Arial" panose="020B0604020202020204" pitchFamily="34" charset="0"/>
+              </a:rPr>
+              <a:t>for</a:t>
             </a:r>
             <a:br>
-              <a:rPr lang="en-US" sz="1200">
+              <a:rPr lang="en-US" sz="1200" smtClean="0">
                 <a:solidFill>
                   <a:srgbClr val="5A6B86"/>
                 </a:solidFill>
@@ -4300,7 +4320,7 @@
               </a:rPr>
             </a:br>
             <a:r>
-              <a:rPr lang="en-US" sz="1200">
+              <a:rPr lang="en-US" sz="1200" smtClean="0">
                 <a:solidFill>
                   <a:srgbClr val="5A6B86"/>
                 </a:solidFill>
@@ -5515,7 +5535,7 @@
           <a:p>
             <a:pPr algn="ctr" eaLnBrk="1" hangingPunct="1"/>
             <a:r>
-              <a:rPr lang="en-US" altLang="en-US" sz="1100">
+              <a:rPr lang="en-US" altLang="en-US" sz="1100" smtClean="0">
                 <a:latin typeface="Arial" panose="020B0604020202020204" pitchFamily="34" charset="0"/>
                 <a:ea typeface="Amazon Ember" panose="020B0603020204020204" pitchFamily="34" charset="0"/>
                 <a:cs typeface="Arial" panose="020B0604020202020204" pitchFamily="34" charset="0"/>
@@ -6031,7 +6051,17 @@
                 <a:latin typeface="Arial" panose="020B0604020202020204" pitchFamily="34" charset="0"/>
                 <a:cs typeface="Arial" panose="020B0604020202020204" pitchFamily="34" charset="0"/>
               </a:rPr>
-              <a:t>Connected dataset</a:t>
+              <a:t>Connected </a:t>
+            </a:r>
+            <a:r>
+              <a:rPr lang="en-US" sz="1200" smtClean="0">
+                <a:solidFill>
+                  <a:srgbClr val="5A6B86"/>
+                </a:solidFill>
+                <a:latin typeface="Arial" panose="020B0604020202020204" pitchFamily="34" charset="0"/>
+                <a:cs typeface="Arial" panose="020B0604020202020204" pitchFamily="34" charset="0"/>
+              </a:rPr>
+              <a:t>dataset</a:t>
             </a:r>
             <a:endParaRPr lang="en-US" sz="1200" dirty="0">
               <a:solidFill>
@@ -6339,7 +6369,7 @@
         </p:nvSpPr>
         <p:spPr bwMode="auto">
           <a:xfrm>
-            <a:off x="12423769" y="6983730"/>
+            <a:off x="12444089" y="6877050"/>
             <a:ext cx="1005840" cy="274320"/>
           </a:xfrm>
           <a:prstGeom prst="rect">
@@ -6474,7 +6504,7 @@
           <a:p>
             <a:pPr algn="ctr" eaLnBrk="1" hangingPunct="1"/>
             <a:r>
-              <a:rPr lang="en-US" altLang="en-US" sz="1200">
+              <a:rPr lang="en-US" altLang="en-US" sz="1200" smtClean="0">
                 <a:latin typeface="Arial" panose="020B0604020202020204" pitchFamily="34" charset="0"/>
                 <a:ea typeface="Amazon Ember" panose="020B0603020204020204" pitchFamily="34" charset="0"/>
                 <a:cs typeface="Arial" panose="020B0604020202020204" pitchFamily="34" charset="0"/>
@@ -6518,7 +6548,7 @@
         </p:blipFill>
         <p:spPr bwMode="auto">
           <a:xfrm>
-            <a:off x="1554480" y="3566160"/>
+            <a:off x="1554480" y="3558540"/>
             <a:ext cx="469900" cy="469900"/>
           </a:xfrm>
           <a:prstGeom prst="rect">
@@ -6565,7 +6595,7 @@
         </p:nvSpPr>
         <p:spPr bwMode="auto">
           <a:xfrm>
-            <a:off x="1485162" y="4127500"/>
+            <a:off x="1515642" y="4030980"/>
             <a:ext cx="548640" cy="274320"/>
           </a:xfrm>
           <a:prstGeom prst="rect">
@@ -6916,9 +6946,9 @@
           <p:nvPr/>
         </p:nvCxnSpPr>
         <p:spPr>
-          <a:xfrm flipV="1">
-            <a:off x="2024380" y="3794760"/>
-            <a:ext cx="627380" cy="6350"/>
+          <a:xfrm>
+            <a:off x="2024380" y="3793490"/>
+            <a:ext cx="627380" cy="1270"/>
           </a:xfrm>
           <a:prstGeom prst="straightConnector1">
             <a:avLst/>
@@ -7437,7 +7467,27 @@
                 <a:latin typeface="Arial" panose="020B0604020202020204" pitchFamily="34" charset="0"/>
                 <a:cs typeface="Arial" panose="020B0604020202020204" pitchFamily="34" charset="0"/>
               </a:rPr>
-              <a:t>Availability Zone 1</a:t>
+              <a:t>Availability </a:t>
+            </a:r>
+            <a:r>
+              <a:rPr lang="en-US" sz="1200" smtClean="0">
+                <a:solidFill>
+                  <a:srgbClr val="5B9CD5"/>
+                </a:solidFill>
+                <a:latin typeface="Arial" panose="020B0604020202020204" pitchFamily="34" charset="0"/>
+                <a:cs typeface="Arial" panose="020B0604020202020204" pitchFamily="34" charset="0"/>
+              </a:rPr>
+              <a:t>Zone </a:t>
+            </a:r>
+            <a:r>
+              <a:rPr lang="en-US" sz="1200" smtClean="0">
+                <a:solidFill>
+                  <a:srgbClr val="5B9CD5"/>
+                </a:solidFill>
+                <a:latin typeface="Arial" panose="020B0604020202020204" pitchFamily="34" charset="0"/>
+                <a:cs typeface="Arial" panose="020B0604020202020204" pitchFamily="34" charset="0"/>
+              </a:rPr>
+              <a:t>2</a:t>
             </a:r>
             <a:endParaRPr lang="en-US" sz="1200" dirty="0">
               <a:solidFill>
@@ -9172,7 +9222,7 @@
           <a:p>
             <a:pPr algn="ctr" eaLnBrk="1" hangingPunct="1"/>
             <a:r>
-              <a:rPr lang="en-US" altLang="en-US" sz="1100">
+              <a:rPr lang="en-US" altLang="en-US" sz="1100" smtClean="0">
                 <a:latin typeface="Arial" panose="020B0604020202020204" pitchFamily="34" charset="0"/>
                 <a:ea typeface="Amazon Ember" panose="020B0603020204020204" pitchFamily="34" charset="0"/>
                 <a:cs typeface="Arial" panose="020B0604020202020204" pitchFamily="34" charset="0"/>
@@ -9544,8 +9594,8 @@
         </p:nvSpPr>
         <p:spPr bwMode="auto">
           <a:xfrm>
-            <a:off x="12189771" y="7863840"/>
-            <a:ext cx="1493838" cy="430887"/>
+            <a:off x="12437421" y="7867649"/>
+            <a:ext cx="1005840" cy="274320"/>
           </a:xfrm>
           <a:prstGeom prst="rect">
             <a:avLst/>
@@ -10001,7 +10051,7 @@
           <p:cNvPr id="76" name="Graphic 11">
             <a:extLst>
               <a:ext uri="{FF2B5EF4-FFF2-40B4-BE49-F238E27FC236}">
-                <a16:creationId xmlns:a16="http://schemas.microsoft.com/office/drawing/2014/main" id="{AC44B3A7-ABE4-3A40-BE70-307D9A526A5A}"/>
+                <a16:creationId xmlns:a16="http://schemas.microsoft.com/office/drawing/2014/main" id="{2AB3466B-8F9E-AF49-9E8C-DEC1264882DE}"/>
               </a:ext>
             </a:extLst>
           </p:cNvPr>
@@ -10025,7 +10075,7 @@
         </p:blipFill>
         <p:spPr bwMode="auto">
           <a:xfrm>
-            <a:off x="12673330" y="6329754"/>
+            <a:off x="12710160" y="6400800"/>
             <a:ext cx="469900" cy="469900"/>
           </a:xfrm>
           <a:prstGeom prst="rect">
